--- a/확률밀도:질량함수 임용고시 2011.pptx
+++ b/확률밀도:질량함수 임용고시 2011.pptx
@@ -248,7 +248,7 @@
           <a:p>
             <a:fld id="{5B3AD1D6-AE87-C841-B3FD-7C9F7FCAE5AE}" type="datetimeFigureOut">
               <a:rPr lang="en-US" smtClean="0"/>
-              <a:t>12/15/19</a:t>
+              <a:t>12/17/19</a:t>
             </a:fld>
             <a:endParaRPr lang="en-US"/>
           </a:p>
@@ -418,7 +418,7 @@
           <a:p>
             <a:fld id="{5B3AD1D6-AE87-C841-B3FD-7C9F7FCAE5AE}" type="datetimeFigureOut">
               <a:rPr lang="en-US" smtClean="0"/>
-              <a:t>12/15/19</a:t>
+              <a:t>12/17/19</a:t>
             </a:fld>
             <a:endParaRPr lang="en-US"/>
           </a:p>
@@ -598,7 +598,7 @@
           <a:p>
             <a:fld id="{5B3AD1D6-AE87-C841-B3FD-7C9F7FCAE5AE}" type="datetimeFigureOut">
               <a:rPr lang="en-US" smtClean="0"/>
-              <a:t>12/15/19</a:t>
+              <a:t>12/17/19</a:t>
             </a:fld>
             <a:endParaRPr lang="en-US"/>
           </a:p>
@@ -768,7 +768,7 @@
           <a:p>
             <a:fld id="{5B3AD1D6-AE87-C841-B3FD-7C9F7FCAE5AE}" type="datetimeFigureOut">
               <a:rPr lang="en-US" smtClean="0"/>
-              <a:t>12/15/19</a:t>
+              <a:t>12/17/19</a:t>
             </a:fld>
             <a:endParaRPr lang="en-US"/>
           </a:p>
@@ -1014,7 +1014,7 @@
           <a:p>
             <a:fld id="{5B3AD1D6-AE87-C841-B3FD-7C9F7FCAE5AE}" type="datetimeFigureOut">
               <a:rPr lang="en-US" smtClean="0"/>
-              <a:t>12/15/19</a:t>
+              <a:t>12/17/19</a:t>
             </a:fld>
             <a:endParaRPr lang="en-US"/>
           </a:p>
@@ -1246,7 +1246,7 @@
           <a:p>
             <a:fld id="{5B3AD1D6-AE87-C841-B3FD-7C9F7FCAE5AE}" type="datetimeFigureOut">
               <a:rPr lang="en-US" smtClean="0"/>
-              <a:t>12/15/19</a:t>
+              <a:t>12/17/19</a:t>
             </a:fld>
             <a:endParaRPr lang="en-US"/>
           </a:p>
@@ -1613,7 +1613,7 @@
           <a:p>
             <a:fld id="{5B3AD1D6-AE87-C841-B3FD-7C9F7FCAE5AE}" type="datetimeFigureOut">
               <a:rPr lang="en-US" smtClean="0"/>
-              <a:t>12/15/19</a:t>
+              <a:t>12/17/19</a:t>
             </a:fld>
             <a:endParaRPr lang="en-US"/>
           </a:p>
@@ -1731,7 +1731,7 @@
           <a:p>
             <a:fld id="{5B3AD1D6-AE87-C841-B3FD-7C9F7FCAE5AE}" type="datetimeFigureOut">
               <a:rPr lang="en-US" smtClean="0"/>
-              <a:t>12/15/19</a:t>
+              <a:t>12/17/19</a:t>
             </a:fld>
             <a:endParaRPr lang="en-US"/>
           </a:p>
@@ -1826,7 +1826,7 @@
           <a:p>
             <a:fld id="{5B3AD1D6-AE87-C841-B3FD-7C9F7FCAE5AE}" type="datetimeFigureOut">
               <a:rPr lang="en-US" smtClean="0"/>
-              <a:t>12/15/19</a:t>
+              <a:t>12/17/19</a:t>
             </a:fld>
             <a:endParaRPr lang="en-US"/>
           </a:p>
@@ -2103,7 +2103,7 @@
           <a:p>
             <a:fld id="{5B3AD1D6-AE87-C841-B3FD-7C9F7FCAE5AE}" type="datetimeFigureOut">
               <a:rPr lang="en-US" smtClean="0"/>
-              <a:t>12/15/19</a:t>
+              <a:t>12/17/19</a:t>
             </a:fld>
             <a:endParaRPr lang="en-US"/>
           </a:p>
@@ -2356,7 +2356,7 @@
           <a:p>
             <a:fld id="{5B3AD1D6-AE87-C841-B3FD-7C9F7FCAE5AE}" type="datetimeFigureOut">
               <a:rPr lang="en-US" smtClean="0"/>
-              <a:t>12/15/19</a:t>
+              <a:t>12/17/19</a:t>
             </a:fld>
             <a:endParaRPr lang="en-US"/>
           </a:p>
@@ -2569,7 +2569,7 @@
           <a:p>
             <a:fld id="{5B3AD1D6-AE87-C841-B3FD-7C9F7FCAE5AE}" type="datetimeFigureOut">
               <a:rPr lang="en-US" smtClean="0"/>
-              <a:t>12/15/19</a:t>
+              <a:t>12/17/19</a:t>
             </a:fld>
             <a:endParaRPr lang="en-US"/>
           </a:p>
@@ -3184,53 +3184,6 @@
               </a:rPr>
               <a:t>on</a:t>
             </a:r>
-            <a:r>
-              <a:rPr lang="en-US" sz="6700" smtClean="0">
-                <a:latin typeface="Arial Black" charset="0"/>
-                <a:ea typeface="Arial Black" charset="0"/>
-                <a:cs typeface="Arial Black" charset="0"/>
-              </a:rPr>
-              <a:t/>
-            </a:r>
-            <a:br>
-              <a:rPr lang="en-US" sz="6700" smtClean="0">
-                <a:latin typeface="Arial Black" charset="0"/>
-                <a:ea typeface="Arial Black" charset="0"/>
-                <a:cs typeface="Arial Black" charset="0"/>
-              </a:rPr>
-            </a:br>
-            <a:r>
-              <a:rPr lang="en-US" sz="6700" smtClean="0">
-                <a:latin typeface="Arial Black" charset="0"/>
-                <a:ea typeface="Arial Black" charset="0"/>
-                <a:cs typeface="Arial Black" charset="0"/>
-              </a:rPr>
-              <a:t>PMF</a:t>
-            </a:r>
-            <a:r>
-              <a:rPr lang="ko-KR" altLang="en-US" sz="6700" dirty="0" smtClean="0">
-                <a:latin typeface="Arial Black" charset="0"/>
-                <a:ea typeface="Arial Black" charset="0"/>
-                <a:cs typeface="Arial Black" charset="0"/>
-              </a:rPr>
-              <a:t> </a:t>
-            </a:r>
-            <a:r>
-              <a:rPr lang="en-US" altLang="ko-KR" sz="6700" dirty="0" smtClean="0">
-                <a:latin typeface="Arial Black" charset="0"/>
-                <a:ea typeface="Arial Black" charset="0"/>
-                <a:cs typeface="Arial Black" charset="0"/>
-              </a:rPr>
-              <a:t>and PDF</a:t>
-            </a:r>
-            <a:r>
-              <a:rPr lang="en-US" sz="6700" dirty="0" smtClean="0">
-                <a:latin typeface="Arial Black" charset="0"/>
-                <a:ea typeface="Arial Black" charset="0"/>
-                <a:cs typeface="Arial Black" charset="0"/>
-              </a:rPr>
-              <a:t/>
-            </a:r>
             <a:br>
               <a:rPr lang="en-US" sz="6700" dirty="0" smtClean="0">
                 <a:latin typeface="Arial Black" charset="0"/>
@@ -3238,6 +3191,45 @@
                 <a:cs typeface="Arial Black" charset="0"/>
               </a:rPr>
             </a:br>
+            <a:r>
+              <a:rPr lang="en-US" sz="6700" dirty="0" smtClean="0">
+                <a:latin typeface="Arial Black" charset="0"/>
+                <a:ea typeface="Arial Black" charset="0"/>
+                <a:cs typeface="Arial Black" charset="0"/>
+              </a:rPr>
+              <a:t>PMF</a:t>
+            </a:r>
+            <a:r>
+              <a:rPr lang="ko-KR" altLang="en-US" sz="6700" dirty="0" smtClean="0">
+                <a:latin typeface="Arial Black" charset="0"/>
+                <a:ea typeface="Arial Black" charset="0"/>
+                <a:cs typeface="Arial Black" charset="0"/>
+              </a:rPr>
+              <a:t> </a:t>
+            </a:r>
+            <a:r>
+              <a:rPr lang="en-US" altLang="ko-KR" sz="6700" smtClean="0">
+                <a:latin typeface="Arial Black" charset="0"/>
+                <a:ea typeface="Arial Black" charset="0"/>
+                <a:cs typeface="Arial Black" charset="0"/>
+              </a:rPr>
+              <a:t>and PDF</a:t>
+            </a:r>
+            <a:br>
+              <a:rPr lang="en-US" altLang="ko-KR" sz="6700" smtClean="0">
+                <a:latin typeface="Arial Black" charset="0"/>
+                <a:ea typeface="Arial Black" charset="0"/>
+                <a:cs typeface="Arial Black" charset="0"/>
+              </a:rPr>
+            </a:br>
+            <a:r>
+              <a:rPr lang="en-US" altLang="ko-KR" sz="6700" smtClean="0">
+                <a:latin typeface="Arial Black" charset="0"/>
+                <a:ea typeface="Arial Black" charset="0"/>
+                <a:cs typeface="Arial Black" charset="0"/>
+              </a:rPr>
+              <a:t>2011</a:t>
+            </a:r>
             <a:r>
               <a:rPr lang="en-US" sz="6700" dirty="0" smtClean="0">
                 <a:latin typeface="Arial Black" charset="0"/>
@@ -3297,6 +3289,13 @@
   <p:clrMapOvr>
     <a:masterClrMapping/>
   </p:clrMapOvr>
+  <p:timing>
+    <p:tnLst>
+      <p:par>
+        <p:cTn id="1" dur="indefinite" restart="never" nodeType="tmRoot"/>
+      </p:par>
+    </p:tnLst>
+  </p:timing>
 </p:sld>
 </file>
 
@@ -3552,6 +3551,13 @@
   <p:clrMapOvr>
     <a:masterClrMapping/>
   </p:clrMapOvr>
+  <p:timing>
+    <p:tnLst>
+      <p:par>
+        <p:cTn id="1" dur="indefinite" restart="never" nodeType="tmRoot"/>
+      </p:par>
+    </p:tnLst>
+  </p:timing>
 </p:sld>
 </file>
 
@@ -3612,6 +3618,13 @@
   <p:clrMapOvr>
     <a:masterClrMapping/>
   </p:clrMapOvr>
+  <p:timing>
+    <p:tnLst>
+      <p:par>
+        <p:cTn id="1" dur="indefinite" restart="never" nodeType="tmRoot"/>
+      </p:par>
+    </p:tnLst>
+  </p:timing>
 </p:sld>
 </file>
 
@@ -3702,6 +3715,13 @@
   <p:clrMapOvr>
     <a:masterClrMapping/>
   </p:clrMapOvr>
+  <p:timing>
+    <p:tnLst>
+      <p:par>
+        <p:cTn id="1" dur="indefinite" restart="never" nodeType="tmRoot"/>
+      </p:par>
+    </p:tnLst>
+  </p:timing>
 </p:sld>
 </file>
 
@@ -3822,6 +3842,13 @@
   <p:clrMapOvr>
     <a:masterClrMapping/>
   </p:clrMapOvr>
+  <p:timing>
+    <p:tnLst>
+      <p:par>
+        <p:cTn id="1" dur="indefinite" restart="never" nodeType="tmRoot"/>
+      </p:par>
+    </p:tnLst>
+  </p:timing>
 </p:sld>
 </file>
 
